--- a/ppt 16-9/1402.那已立好的根.pptx
+++ b/ppt 16-9/1402.那已立好的根.pptx
@@ -129,7 +129,7 @@
           <p:cNvPr id="2" name="标题 1">
             <a:extLst>
               <a:ext uri="{FF2B5EF4-FFF2-40B4-BE49-F238E27FC236}">
-                <a16:creationId xmlns:a16="http://schemas.microsoft.com/office/drawing/2014/main" id="{E56351C2-4BD4-BA57-40F1-E73E472A4B3D}"/>
+                <a16:creationId xmlns:a16="http://schemas.microsoft.com/office/drawing/2014/main" id="{194A3089-C934-94BD-BE44-474486805BFF}"/>
               </a:ext>
             </a:extLst>
           </p:cNvPr>
@@ -166,7 +166,7 @@
           <p:cNvPr id="3" name="副标题 2">
             <a:extLst>
               <a:ext uri="{FF2B5EF4-FFF2-40B4-BE49-F238E27FC236}">
-                <a16:creationId xmlns:a16="http://schemas.microsoft.com/office/drawing/2014/main" id="{A5EC8E7D-BD60-CD2D-BAEF-4260E778C466}"/>
+                <a16:creationId xmlns:a16="http://schemas.microsoft.com/office/drawing/2014/main" id="{D9DD7D3A-FC45-825E-D106-EEC803ED741D}"/>
               </a:ext>
             </a:extLst>
           </p:cNvPr>
@@ -236,7 +236,7 @@
           <p:cNvPr id="4" name="日期占位符 3">
             <a:extLst>
               <a:ext uri="{FF2B5EF4-FFF2-40B4-BE49-F238E27FC236}">
-                <a16:creationId xmlns:a16="http://schemas.microsoft.com/office/drawing/2014/main" id="{7A7CDC28-F307-5473-80C0-62FE763DD830}"/>
+                <a16:creationId xmlns:a16="http://schemas.microsoft.com/office/drawing/2014/main" id="{18628D5E-6B75-3904-999C-3CE7CB69445E}"/>
               </a:ext>
             </a:extLst>
           </p:cNvPr>
@@ -252,7 +252,7 @@
           <a:bodyPr/>
           <a:lstStyle/>
           <a:p>
-            <a:fld id="{E087D6A3-9F1D-4450-83E6-D3C27D19BE5D}" type="datetimeFigureOut">
+            <a:fld id="{441DD2C6-2785-4163-8CAD-7C4D185FE603}" type="datetimeFigureOut">
               <a:rPr lang="zh-CN" altLang="en-US" smtClean="0"/>
               <a:t>2024/3/10</a:t>
             </a:fld>
@@ -265,7 +265,7 @@
           <p:cNvPr id="5" name="页脚占位符 4">
             <a:extLst>
               <a:ext uri="{FF2B5EF4-FFF2-40B4-BE49-F238E27FC236}">
-                <a16:creationId xmlns:a16="http://schemas.microsoft.com/office/drawing/2014/main" id="{5F38C571-22F1-E04B-E847-530E2915D240}"/>
+                <a16:creationId xmlns:a16="http://schemas.microsoft.com/office/drawing/2014/main" id="{1BD5BDA1-0046-045B-9885-3A1473245B29}"/>
               </a:ext>
             </a:extLst>
           </p:cNvPr>
@@ -290,7 +290,7 @@
           <p:cNvPr id="6" name="灯片编号占位符 5">
             <a:extLst>
               <a:ext uri="{FF2B5EF4-FFF2-40B4-BE49-F238E27FC236}">
-                <a16:creationId xmlns:a16="http://schemas.microsoft.com/office/drawing/2014/main" id="{7DD7F125-03A2-DD65-1C38-F00E74A6D461}"/>
+                <a16:creationId xmlns:a16="http://schemas.microsoft.com/office/drawing/2014/main" id="{63C49AD4-BB76-5A65-E7AB-D0FF545F722E}"/>
               </a:ext>
             </a:extLst>
           </p:cNvPr>
@@ -306,7 +306,7 @@
           <a:bodyPr/>
           <a:lstStyle/>
           <a:p>
-            <a:fld id="{BC9E3616-C7FF-4B2D-8E79-561AFF147C0E}" type="slidenum">
+            <a:fld id="{52D1DB11-ED9F-4B32-A34B-6292058B8368}" type="slidenum">
               <a:rPr lang="zh-CN" altLang="en-US" smtClean="0"/>
               <a:t>‹#›</a:t>
             </a:fld>
@@ -317,7 +317,7 @@
     </p:spTree>
     <p:extLst>
       <p:ext uri="{BB962C8B-B14F-4D97-AF65-F5344CB8AC3E}">
-        <p14:creationId xmlns:p14="http://schemas.microsoft.com/office/powerpoint/2010/main" val="856476057"/>
+        <p14:creationId xmlns:p14="http://schemas.microsoft.com/office/powerpoint/2010/main" val="1943920963"/>
       </p:ext>
     </p:extLst>
   </p:cSld>
@@ -349,7 +349,7 @@
           <p:cNvPr id="2" name="标题 1">
             <a:extLst>
               <a:ext uri="{FF2B5EF4-FFF2-40B4-BE49-F238E27FC236}">
-                <a16:creationId xmlns:a16="http://schemas.microsoft.com/office/drawing/2014/main" id="{C88BC422-6F42-0810-5EA5-5C26881815AD}"/>
+                <a16:creationId xmlns:a16="http://schemas.microsoft.com/office/drawing/2014/main" id="{D36413A7-3B1F-92A3-584B-9FA245B68A53}"/>
               </a:ext>
             </a:extLst>
           </p:cNvPr>
@@ -377,7 +377,7 @@
           <p:cNvPr id="3" name="竖排文字占位符 2">
             <a:extLst>
               <a:ext uri="{FF2B5EF4-FFF2-40B4-BE49-F238E27FC236}">
-                <a16:creationId xmlns:a16="http://schemas.microsoft.com/office/drawing/2014/main" id="{B910D9BC-D6EA-383C-920E-DDB8C29B6595}"/>
+                <a16:creationId xmlns:a16="http://schemas.microsoft.com/office/drawing/2014/main" id="{A500367D-5800-3EEC-F1F4-CCF27C2FE19E}"/>
               </a:ext>
             </a:extLst>
           </p:cNvPr>
@@ -434,7 +434,7 @@
           <p:cNvPr id="4" name="日期占位符 3">
             <a:extLst>
               <a:ext uri="{FF2B5EF4-FFF2-40B4-BE49-F238E27FC236}">
-                <a16:creationId xmlns:a16="http://schemas.microsoft.com/office/drawing/2014/main" id="{9C137047-845E-E1CF-51BA-4C824BBB512C}"/>
+                <a16:creationId xmlns:a16="http://schemas.microsoft.com/office/drawing/2014/main" id="{A4C331C4-1CE2-CD5F-1907-57662E698C35}"/>
               </a:ext>
             </a:extLst>
           </p:cNvPr>
@@ -450,7 +450,7 @@
           <a:bodyPr/>
           <a:lstStyle/>
           <a:p>
-            <a:fld id="{E087D6A3-9F1D-4450-83E6-D3C27D19BE5D}" type="datetimeFigureOut">
+            <a:fld id="{441DD2C6-2785-4163-8CAD-7C4D185FE603}" type="datetimeFigureOut">
               <a:rPr lang="zh-CN" altLang="en-US" smtClean="0"/>
               <a:t>2024/3/10</a:t>
             </a:fld>
@@ -463,7 +463,7 @@
           <p:cNvPr id="5" name="页脚占位符 4">
             <a:extLst>
               <a:ext uri="{FF2B5EF4-FFF2-40B4-BE49-F238E27FC236}">
-                <a16:creationId xmlns:a16="http://schemas.microsoft.com/office/drawing/2014/main" id="{EB53C968-9F62-589C-87B5-545AA2FB4805}"/>
+                <a16:creationId xmlns:a16="http://schemas.microsoft.com/office/drawing/2014/main" id="{1C4CCE9B-1263-5697-D969-CACB5C03DA97}"/>
               </a:ext>
             </a:extLst>
           </p:cNvPr>
@@ -488,7 +488,7 @@
           <p:cNvPr id="6" name="灯片编号占位符 5">
             <a:extLst>
               <a:ext uri="{FF2B5EF4-FFF2-40B4-BE49-F238E27FC236}">
-                <a16:creationId xmlns:a16="http://schemas.microsoft.com/office/drawing/2014/main" id="{4FC9ECD2-FBF6-A15B-5AD2-7829A9B8325D}"/>
+                <a16:creationId xmlns:a16="http://schemas.microsoft.com/office/drawing/2014/main" id="{49FF173E-F8F9-20B2-AC66-8A089532F73F}"/>
               </a:ext>
             </a:extLst>
           </p:cNvPr>
@@ -504,7 +504,7 @@
           <a:bodyPr/>
           <a:lstStyle/>
           <a:p>
-            <a:fld id="{BC9E3616-C7FF-4B2D-8E79-561AFF147C0E}" type="slidenum">
+            <a:fld id="{52D1DB11-ED9F-4B32-A34B-6292058B8368}" type="slidenum">
               <a:rPr lang="zh-CN" altLang="en-US" smtClean="0"/>
               <a:t>‹#›</a:t>
             </a:fld>
@@ -515,7 +515,7 @@
     </p:spTree>
     <p:extLst>
       <p:ext uri="{BB962C8B-B14F-4D97-AF65-F5344CB8AC3E}">
-        <p14:creationId xmlns:p14="http://schemas.microsoft.com/office/powerpoint/2010/main" val="2490633251"/>
+        <p14:creationId xmlns:p14="http://schemas.microsoft.com/office/powerpoint/2010/main" val="1106819414"/>
       </p:ext>
     </p:extLst>
   </p:cSld>
@@ -547,7 +547,7 @@
           <p:cNvPr id="2" name="竖排标题 1">
             <a:extLst>
               <a:ext uri="{FF2B5EF4-FFF2-40B4-BE49-F238E27FC236}">
-                <a16:creationId xmlns:a16="http://schemas.microsoft.com/office/drawing/2014/main" id="{0BC0204C-76CE-6CD0-2989-F1161187E410}"/>
+                <a16:creationId xmlns:a16="http://schemas.microsoft.com/office/drawing/2014/main" id="{D9C4AD96-DC58-0D92-3A0B-D6C6BCA2482F}"/>
               </a:ext>
             </a:extLst>
           </p:cNvPr>
@@ -580,7 +580,7 @@
           <p:cNvPr id="3" name="竖排文字占位符 2">
             <a:extLst>
               <a:ext uri="{FF2B5EF4-FFF2-40B4-BE49-F238E27FC236}">
-                <a16:creationId xmlns:a16="http://schemas.microsoft.com/office/drawing/2014/main" id="{E58E025B-8DD1-0F17-AD0F-7B5FBD72C611}"/>
+                <a16:creationId xmlns:a16="http://schemas.microsoft.com/office/drawing/2014/main" id="{341761E1-1727-8136-F580-611FE14BE2D7}"/>
               </a:ext>
             </a:extLst>
           </p:cNvPr>
@@ -642,7 +642,7 @@
           <p:cNvPr id="4" name="日期占位符 3">
             <a:extLst>
               <a:ext uri="{FF2B5EF4-FFF2-40B4-BE49-F238E27FC236}">
-                <a16:creationId xmlns:a16="http://schemas.microsoft.com/office/drawing/2014/main" id="{C759D2D5-5B57-0F89-BA01-CB10C958C3A1}"/>
+                <a16:creationId xmlns:a16="http://schemas.microsoft.com/office/drawing/2014/main" id="{A936FA3D-43FF-FDD5-D0B9-1445E7E01081}"/>
               </a:ext>
             </a:extLst>
           </p:cNvPr>
@@ -658,7 +658,7 @@
           <a:bodyPr/>
           <a:lstStyle/>
           <a:p>
-            <a:fld id="{E087D6A3-9F1D-4450-83E6-D3C27D19BE5D}" type="datetimeFigureOut">
+            <a:fld id="{441DD2C6-2785-4163-8CAD-7C4D185FE603}" type="datetimeFigureOut">
               <a:rPr lang="zh-CN" altLang="en-US" smtClean="0"/>
               <a:t>2024/3/10</a:t>
             </a:fld>
@@ -671,7 +671,7 @@
           <p:cNvPr id="5" name="页脚占位符 4">
             <a:extLst>
               <a:ext uri="{FF2B5EF4-FFF2-40B4-BE49-F238E27FC236}">
-                <a16:creationId xmlns:a16="http://schemas.microsoft.com/office/drawing/2014/main" id="{CC60A5D3-1B5D-ECC3-BC57-68AB68B08865}"/>
+                <a16:creationId xmlns:a16="http://schemas.microsoft.com/office/drawing/2014/main" id="{935958C9-4461-F409-7302-92D6CD9527C1}"/>
               </a:ext>
             </a:extLst>
           </p:cNvPr>
@@ -696,7 +696,7 @@
           <p:cNvPr id="6" name="灯片编号占位符 5">
             <a:extLst>
               <a:ext uri="{FF2B5EF4-FFF2-40B4-BE49-F238E27FC236}">
-                <a16:creationId xmlns:a16="http://schemas.microsoft.com/office/drawing/2014/main" id="{2F7788AD-6CB1-D6DC-D9FF-E1AEFE95A613}"/>
+                <a16:creationId xmlns:a16="http://schemas.microsoft.com/office/drawing/2014/main" id="{3CD2B21A-3D89-4485-BD79-A208F1255A0C}"/>
               </a:ext>
             </a:extLst>
           </p:cNvPr>
@@ -712,7 +712,7 @@
           <a:bodyPr/>
           <a:lstStyle/>
           <a:p>
-            <a:fld id="{BC9E3616-C7FF-4B2D-8E79-561AFF147C0E}" type="slidenum">
+            <a:fld id="{52D1DB11-ED9F-4B32-A34B-6292058B8368}" type="slidenum">
               <a:rPr lang="zh-CN" altLang="en-US" smtClean="0"/>
               <a:t>‹#›</a:t>
             </a:fld>
@@ -723,7 +723,7 @@
     </p:spTree>
     <p:extLst>
       <p:ext uri="{BB962C8B-B14F-4D97-AF65-F5344CB8AC3E}">
-        <p14:creationId xmlns:p14="http://schemas.microsoft.com/office/powerpoint/2010/main" val="1741420881"/>
+        <p14:creationId xmlns:p14="http://schemas.microsoft.com/office/powerpoint/2010/main" val="1498390164"/>
       </p:ext>
     </p:extLst>
   </p:cSld>
@@ -755,7 +755,7 @@
           <p:cNvPr id="2" name="标题 1">
             <a:extLst>
               <a:ext uri="{FF2B5EF4-FFF2-40B4-BE49-F238E27FC236}">
-                <a16:creationId xmlns:a16="http://schemas.microsoft.com/office/drawing/2014/main" id="{C353D69C-2168-5278-DA2D-32F7B62A9CA0}"/>
+                <a16:creationId xmlns:a16="http://schemas.microsoft.com/office/drawing/2014/main" id="{1C2C40BD-AA8F-15A0-9053-88F3CA447A43}"/>
               </a:ext>
             </a:extLst>
           </p:cNvPr>
@@ -783,7 +783,7 @@
           <p:cNvPr id="3" name="内容占位符 2">
             <a:extLst>
               <a:ext uri="{FF2B5EF4-FFF2-40B4-BE49-F238E27FC236}">
-                <a16:creationId xmlns:a16="http://schemas.microsoft.com/office/drawing/2014/main" id="{A0280127-446C-D344-FF60-C38979E18F81}"/>
+                <a16:creationId xmlns:a16="http://schemas.microsoft.com/office/drawing/2014/main" id="{D3B6A423-EBBA-85AD-BB34-25ACF6978D02}"/>
               </a:ext>
             </a:extLst>
           </p:cNvPr>
@@ -840,7 +840,7 @@
           <p:cNvPr id="4" name="日期占位符 3">
             <a:extLst>
               <a:ext uri="{FF2B5EF4-FFF2-40B4-BE49-F238E27FC236}">
-                <a16:creationId xmlns:a16="http://schemas.microsoft.com/office/drawing/2014/main" id="{CBA2FDCF-1FEB-B760-2152-3FFC3F3FEE7A}"/>
+                <a16:creationId xmlns:a16="http://schemas.microsoft.com/office/drawing/2014/main" id="{3768F012-2FA9-4E74-0E59-F5F6710CF18D}"/>
               </a:ext>
             </a:extLst>
           </p:cNvPr>
@@ -856,7 +856,7 @@
           <a:bodyPr/>
           <a:lstStyle/>
           <a:p>
-            <a:fld id="{E087D6A3-9F1D-4450-83E6-D3C27D19BE5D}" type="datetimeFigureOut">
+            <a:fld id="{441DD2C6-2785-4163-8CAD-7C4D185FE603}" type="datetimeFigureOut">
               <a:rPr lang="zh-CN" altLang="en-US" smtClean="0"/>
               <a:t>2024/3/10</a:t>
             </a:fld>
@@ -869,7 +869,7 @@
           <p:cNvPr id="5" name="页脚占位符 4">
             <a:extLst>
               <a:ext uri="{FF2B5EF4-FFF2-40B4-BE49-F238E27FC236}">
-                <a16:creationId xmlns:a16="http://schemas.microsoft.com/office/drawing/2014/main" id="{DA00FE9C-6CA6-D88C-5706-147FCD0B254C}"/>
+                <a16:creationId xmlns:a16="http://schemas.microsoft.com/office/drawing/2014/main" id="{459D69D7-EEF8-6C12-7D44-7B317B60FEB0}"/>
               </a:ext>
             </a:extLst>
           </p:cNvPr>
@@ -894,7 +894,7 @@
           <p:cNvPr id="6" name="灯片编号占位符 5">
             <a:extLst>
               <a:ext uri="{FF2B5EF4-FFF2-40B4-BE49-F238E27FC236}">
-                <a16:creationId xmlns:a16="http://schemas.microsoft.com/office/drawing/2014/main" id="{119DF4D0-BF57-47EA-7ABF-C93A585E7867}"/>
+                <a16:creationId xmlns:a16="http://schemas.microsoft.com/office/drawing/2014/main" id="{639BA3CF-3AC1-C43D-D222-68DC58AE8D3A}"/>
               </a:ext>
             </a:extLst>
           </p:cNvPr>
@@ -910,7 +910,7 @@
           <a:bodyPr/>
           <a:lstStyle/>
           <a:p>
-            <a:fld id="{BC9E3616-C7FF-4B2D-8E79-561AFF147C0E}" type="slidenum">
+            <a:fld id="{52D1DB11-ED9F-4B32-A34B-6292058B8368}" type="slidenum">
               <a:rPr lang="zh-CN" altLang="en-US" smtClean="0"/>
               <a:t>‹#›</a:t>
             </a:fld>
@@ -921,7 +921,7 @@
     </p:spTree>
     <p:extLst>
       <p:ext uri="{BB962C8B-B14F-4D97-AF65-F5344CB8AC3E}">
-        <p14:creationId xmlns:p14="http://schemas.microsoft.com/office/powerpoint/2010/main" val="4236629558"/>
+        <p14:creationId xmlns:p14="http://schemas.microsoft.com/office/powerpoint/2010/main" val="797769308"/>
       </p:ext>
     </p:extLst>
   </p:cSld>
@@ -953,7 +953,7 @@
           <p:cNvPr id="2" name="标题 1">
             <a:extLst>
               <a:ext uri="{FF2B5EF4-FFF2-40B4-BE49-F238E27FC236}">
-                <a16:creationId xmlns:a16="http://schemas.microsoft.com/office/drawing/2014/main" id="{C83ED245-4347-C0D2-DAE1-0F635E420125}"/>
+                <a16:creationId xmlns:a16="http://schemas.microsoft.com/office/drawing/2014/main" id="{C6F1C236-51F5-2A6A-4B98-B6C33D0AAAD5}"/>
               </a:ext>
             </a:extLst>
           </p:cNvPr>
@@ -990,7 +990,7 @@
           <p:cNvPr id="3" name="文本占位符 2">
             <a:extLst>
               <a:ext uri="{FF2B5EF4-FFF2-40B4-BE49-F238E27FC236}">
-                <a16:creationId xmlns:a16="http://schemas.microsoft.com/office/drawing/2014/main" id="{BF14EC04-BA03-36E6-79C3-DBB6DC647006}"/>
+                <a16:creationId xmlns:a16="http://schemas.microsoft.com/office/drawing/2014/main" id="{E075B93D-9EE8-D29C-9E76-5D3EA8ABD105}"/>
               </a:ext>
             </a:extLst>
           </p:cNvPr>
@@ -1115,7 +1115,7 @@
           <p:cNvPr id="4" name="日期占位符 3">
             <a:extLst>
               <a:ext uri="{FF2B5EF4-FFF2-40B4-BE49-F238E27FC236}">
-                <a16:creationId xmlns:a16="http://schemas.microsoft.com/office/drawing/2014/main" id="{41349DE8-D0C1-0CD8-1B4D-A7E3F821BE21}"/>
+                <a16:creationId xmlns:a16="http://schemas.microsoft.com/office/drawing/2014/main" id="{74EFDBBD-D4D2-F509-CC49-9D8725A74172}"/>
               </a:ext>
             </a:extLst>
           </p:cNvPr>
@@ -1131,7 +1131,7 @@
           <a:bodyPr/>
           <a:lstStyle/>
           <a:p>
-            <a:fld id="{E087D6A3-9F1D-4450-83E6-D3C27D19BE5D}" type="datetimeFigureOut">
+            <a:fld id="{441DD2C6-2785-4163-8CAD-7C4D185FE603}" type="datetimeFigureOut">
               <a:rPr lang="zh-CN" altLang="en-US" smtClean="0"/>
               <a:t>2024/3/10</a:t>
             </a:fld>
@@ -1144,7 +1144,7 @@
           <p:cNvPr id="5" name="页脚占位符 4">
             <a:extLst>
               <a:ext uri="{FF2B5EF4-FFF2-40B4-BE49-F238E27FC236}">
-                <a16:creationId xmlns:a16="http://schemas.microsoft.com/office/drawing/2014/main" id="{436B4752-DB17-CFCA-FEA0-72213612B97D}"/>
+                <a16:creationId xmlns:a16="http://schemas.microsoft.com/office/drawing/2014/main" id="{4825D352-6674-6B69-FB00-F7E0B3E4DD25}"/>
               </a:ext>
             </a:extLst>
           </p:cNvPr>
@@ -1169,7 +1169,7 @@
           <p:cNvPr id="6" name="灯片编号占位符 5">
             <a:extLst>
               <a:ext uri="{FF2B5EF4-FFF2-40B4-BE49-F238E27FC236}">
-                <a16:creationId xmlns:a16="http://schemas.microsoft.com/office/drawing/2014/main" id="{601BF80C-BCD1-0056-CDFC-B118C0ABB9B3}"/>
+                <a16:creationId xmlns:a16="http://schemas.microsoft.com/office/drawing/2014/main" id="{25707761-A548-8B63-D438-5EB408ECE247}"/>
               </a:ext>
             </a:extLst>
           </p:cNvPr>
@@ -1185,7 +1185,7 @@
           <a:bodyPr/>
           <a:lstStyle/>
           <a:p>
-            <a:fld id="{BC9E3616-C7FF-4B2D-8E79-561AFF147C0E}" type="slidenum">
+            <a:fld id="{52D1DB11-ED9F-4B32-A34B-6292058B8368}" type="slidenum">
               <a:rPr lang="zh-CN" altLang="en-US" smtClean="0"/>
               <a:t>‹#›</a:t>
             </a:fld>
@@ -1196,7 +1196,7 @@
     </p:spTree>
     <p:extLst>
       <p:ext uri="{BB962C8B-B14F-4D97-AF65-F5344CB8AC3E}">
-        <p14:creationId xmlns:p14="http://schemas.microsoft.com/office/powerpoint/2010/main" val="3861874686"/>
+        <p14:creationId xmlns:p14="http://schemas.microsoft.com/office/powerpoint/2010/main" val="875669004"/>
       </p:ext>
     </p:extLst>
   </p:cSld>
@@ -1228,7 +1228,7 @@
           <p:cNvPr id="2" name="标题 1">
             <a:extLst>
               <a:ext uri="{FF2B5EF4-FFF2-40B4-BE49-F238E27FC236}">
-                <a16:creationId xmlns:a16="http://schemas.microsoft.com/office/drawing/2014/main" id="{D7C4AEDF-6084-06F2-22A4-F117788E9F92}"/>
+                <a16:creationId xmlns:a16="http://schemas.microsoft.com/office/drawing/2014/main" id="{1D48A70E-F2AE-C35B-21C0-D53E7AC3517C}"/>
               </a:ext>
             </a:extLst>
           </p:cNvPr>
@@ -1256,7 +1256,7 @@
           <p:cNvPr id="3" name="内容占位符 2">
             <a:extLst>
               <a:ext uri="{FF2B5EF4-FFF2-40B4-BE49-F238E27FC236}">
-                <a16:creationId xmlns:a16="http://schemas.microsoft.com/office/drawing/2014/main" id="{5AF839E7-E0ED-3211-79EF-CE4D0AA53DAD}"/>
+                <a16:creationId xmlns:a16="http://schemas.microsoft.com/office/drawing/2014/main" id="{E428016A-4D12-5AA9-7D52-80AD2A0659FD}"/>
               </a:ext>
             </a:extLst>
           </p:cNvPr>
@@ -1318,7 +1318,7 @@
           <p:cNvPr id="4" name="内容占位符 3">
             <a:extLst>
               <a:ext uri="{FF2B5EF4-FFF2-40B4-BE49-F238E27FC236}">
-                <a16:creationId xmlns:a16="http://schemas.microsoft.com/office/drawing/2014/main" id="{D5F77EDB-51A6-2646-E9A7-F144586619B8}"/>
+                <a16:creationId xmlns:a16="http://schemas.microsoft.com/office/drawing/2014/main" id="{FBCD98DE-9649-F6AB-408A-2243856F2631}"/>
               </a:ext>
             </a:extLst>
           </p:cNvPr>
@@ -1380,7 +1380,7 @@
           <p:cNvPr id="5" name="日期占位符 4">
             <a:extLst>
               <a:ext uri="{FF2B5EF4-FFF2-40B4-BE49-F238E27FC236}">
-                <a16:creationId xmlns:a16="http://schemas.microsoft.com/office/drawing/2014/main" id="{E5CEE9A8-E7F0-E061-AC3E-2551703727BF}"/>
+                <a16:creationId xmlns:a16="http://schemas.microsoft.com/office/drawing/2014/main" id="{E4BA7E3B-3FF1-78D0-8960-EA592EE0E656}"/>
               </a:ext>
             </a:extLst>
           </p:cNvPr>
@@ -1396,7 +1396,7 @@
           <a:bodyPr/>
           <a:lstStyle/>
           <a:p>
-            <a:fld id="{E087D6A3-9F1D-4450-83E6-D3C27D19BE5D}" type="datetimeFigureOut">
+            <a:fld id="{441DD2C6-2785-4163-8CAD-7C4D185FE603}" type="datetimeFigureOut">
               <a:rPr lang="zh-CN" altLang="en-US" smtClean="0"/>
               <a:t>2024/3/10</a:t>
             </a:fld>
@@ -1409,7 +1409,7 @@
           <p:cNvPr id="6" name="页脚占位符 5">
             <a:extLst>
               <a:ext uri="{FF2B5EF4-FFF2-40B4-BE49-F238E27FC236}">
-                <a16:creationId xmlns:a16="http://schemas.microsoft.com/office/drawing/2014/main" id="{70444271-5A61-56C8-E81D-FD63A93529C2}"/>
+                <a16:creationId xmlns:a16="http://schemas.microsoft.com/office/drawing/2014/main" id="{5B55A0EE-966F-559F-28F7-E83B963A3703}"/>
               </a:ext>
             </a:extLst>
           </p:cNvPr>
@@ -1434,7 +1434,7 @@
           <p:cNvPr id="7" name="灯片编号占位符 6">
             <a:extLst>
               <a:ext uri="{FF2B5EF4-FFF2-40B4-BE49-F238E27FC236}">
-                <a16:creationId xmlns:a16="http://schemas.microsoft.com/office/drawing/2014/main" id="{B28D9705-1D6A-F579-EEDF-55815DA3E4DC}"/>
+                <a16:creationId xmlns:a16="http://schemas.microsoft.com/office/drawing/2014/main" id="{94A3AAD8-8148-9832-CFB4-226921C3615C}"/>
               </a:ext>
             </a:extLst>
           </p:cNvPr>
@@ -1450,7 +1450,7 @@
           <a:bodyPr/>
           <a:lstStyle/>
           <a:p>
-            <a:fld id="{BC9E3616-C7FF-4B2D-8E79-561AFF147C0E}" type="slidenum">
+            <a:fld id="{52D1DB11-ED9F-4B32-A34B-6292058B8368}" type="slidenum">
               <a:rPr lang="zh-CN" altLang="en-US" smtClean="0"/>
               <a:t>‹#›</a:t>
             </a:fld>
@@ -1461,7 +1461,7 @@
     </p:spTree>
     <p:extLst>
       <p:ext uri="{BB962C8B-B14F-4D97-AF65-F5344CB8AC3E}">
-        <p14:creationId xmlns:p14="http://schemas.microsoft.com/office/powerpoint/2010/main" val="2393288963"/>
+        <p14:creationId xmlns:p14="http://schemas.microsoft.com/office/powerpoint/2010/main" val="2273247962"/>
       </p:ext>
     </p:extLst>
   </p:cSld>
@@ -1493,7 +1493,7 @@
           <p:cNvPr id="2" name="标题 1">
             <a:extLst>
               <a:ext uri="{FF2B5EF4-FFF2-40B4-BE49-F238E27FC236}">
-                <a16:creationId xmlns:a16="http://schemas.microsoft.com/office/drawing/2014/main" id="{DE8FC904-9A5D-C8AC-E4BC-CB12A0FB3AD4}"/>
+                <a16:creationId xmlns:a16="http://schemas.microsoft.com/office/drawing/2014/main" id="{E6F7F58C-A3FC-000A-02F9-A2943FDF75BA}"/>
               </a:ext>
             </a:extLst>
           </p:cNvPr>
@@ -1526,7 +1526,7 @@
           <p:cNvPr id="3" name="文本占位符 2">
             <a:extLst>
               <a:ext uri="{FF2B5EF4-FFF2-40B4-BE49-F238E27FC236}">
-                <a16:creationId xmlns:a16="http://schemas.microsoft.com/office/drawing/2014/main" id="{A43077EE-950D-F875-9EDD-E2BF7633148E}"/>
+                <a16:creationId xmlns:a16="http://schemas.microsoft.com/office/drawing/2014/main" id="{36D92433-970E-9A1B-0ADE-58C4F7F99850}"/>
               </a:ext>
             </a:extLst>
           </p:cNvPr>
@@ -1597,7 +1597,7 @@
           <p:cNvPr id="4" name="内容占位符 3">
             <a:extLst>
               <a:ext uri="{FF2B5EF4-FFF2-40B4-BE49-F238E27FC236}">
-                <a16:creationId xmlns:a16="http://schemas.microsoft.com/office/drawing/2014/main" id="{A7B56BE7-7C3C-23BD-4FFF-12FF71956312}"/>
+                <a16:creationId xmlns:a16="http://schemas.microsoft.com/office/drawing/2014/main" id="{F07E7720-F828-D310-B99F-489767E205E8}"/>
               </a:ext>
             </a:extLst>
           </p:cNvPr>
@@ -1659,7 +1659,7 @@
           <p:cNvPr id="5" name="文本占位符 4">
             <a:extLst>
               <a:ext uri="{FF2B5EF4-FFF2-40B4-BE49-F238E27FC236}">
-                <a16:creationId xmlns:a16="http://schemas.microsoft.com/office/drawing/2014/main" id="{28A296AC-FCD1-C4BB-A54A-43A63106F0EE}"/>
+                <a16:creationId xmlns:a16="http://schemas.microsoft.com/office/drawing/2014/main" id="{6C43EE47-EA34-0635-3D6E-155B919347FC}"/>
               </a:ext>
             </a:extLst>
           </p:cNvPr>
@@ -1730,7 +1730,7 @@
           <p:cNvPr id="6" name="内容占位符 5">
             <a:extLst>
               <a:ext uri="{FF2B5EF4-FFF2-40B4-BE49-F238E27FC236}">
-                <a16:creationId xmlns:a16="http://schemas.microsoft.com/office/drawing/2014/main" id="{D79591C2-36D7-D416-397C-8B8F139F42D3}"/>
+                <a16:creationId xmlns:a16="http://schemas.microsoft.com/office/drawing/2014/main" id="{4A9537C6-EA19-BA21-EBD1-D9D63C7294E4}"/>
               </a:ext>
             </a:extLst>
           </p:cNvPr>
@@ -1792,7 +1792,7 @@
           <p:cNvPr id="7" name="日期占位符 6">
             <a:extLst>
               <a:ext uri="{FF2B5EF4-FFF2-40B4-BE49-F238E27FC236}">
-                <a16:creationId xmlns:a16="http://schemas.microsoft.com/office/drawing/2014/main" id="{C21BC281-1FFB-F552-07CC-20B6F41FA1BD}"/>
+                <a16:creationId xmlns:a16="http://schemas.microsoft.com/office/drawing/2014/main" id="{77D3E0A9-7845-D5DB-3A18-9A2CFF0C2DE6}"/>
               </a:ext>
             </a:extLst>
           </p:cNvPr>
@@ -1808,7 +1808,7 @@
           <a:bodyPr/>
           <a:lstStyle/>
           <a:p>
-            <a:fld id="{E087D6A3-9F1D-4450-83E6-D3C27D19BE5D}" type="datetimeFigureOut">
+            <a:fld id="{441DD2C6-2785-4163-8CAD-7C4D185FE603}" type="datetimeFigureOut">
               <a:rPr lang="zh-CN" altLang="en-US" smtClean="0"/>
               <a:t>2024/3/10</a:t>
             </a:fld>
@@ -1821,7 +1821,7 @@
           <p:cNvPr id="8" name="页脚占位符 7">
             <a:extLst>
               <a:ext uri="{FF2B5EF4-FFF2-40B4-BE49-F238E27FC236}">
-                <a16:creationId xmlns:a16="http://schemas.microsoft.com/office/drawing/2014/main" id="{B3592224-E821-8B34-8C31-CEAC0FB22394}"/>
+                <a16:creationId xmlns:a16="http://schemas.microsoft.com/office/drawing/2014/main" id="{7501755F-1F34-4B0A-966F-8213E6625224}"/>
               </a:ext>
             </a:extLst>
           </p:cNvPr>
@@ -1846,7 +1846,7 @@
           <p:cNvPr id="9" name="灯片编号占位符 8">
             <a:extLst>
               <a:ext uri="{FF2B5EF4-FFF2-40B4-BE49-F238E27FC236}">
-                <a16:creationId xmlns:a16="http://schemas.microsoft.com/office/drawing/2014/main" id="{DCAB7C56-F8F5-88E6-1325-E01C38A3E167}"/>
+                <a16:creationId xmlns:a16="http://schemas.microsoft.com/office/drawing/2014/main" id="{A73B05D8-DB82-3366-D452-3BCEFBD08E85}"/>
               </a:ext>
             </a:extLst>
           </p:cNvPr>
@@ -1862,7 +1862,7 @@
           <a:bodyPr/>
           <a:lstStyle/>
           <a:p>
-            <a:fld id="{BC9E3616-C7FF-4B2D-8E79-561AFF147C0E}" type="slidenum">
+            <a:fld id="{52D1DB11-ED9F-4B32-A34B-6292058B8368}" type="slidenum">
               <a:rPr lang="zh-CN" altLang="en-US" smtClean="0"/>
               <a:t>‹#›</a:t>
             </a:fld>
@@ -1873,7 +1873,7 @@
     </p:spTree>
     <p:extLst>
       <p:ext uri="{BB962C8B-B14F-4D97-AF65-F5344CB8AC3E}">
-        <p14:creationId xmlns:p14="http://schemas.microsoft.com/office/powerpoint/2010/main" val="1109439689"/>
+        <p14:creationId xmlns:p14="http://schemas.microsoft.com/office/powerpoint/2010/main" val="1917286041"/>
       </p:ext>
     </p:extLst>
   </p:cSld>
@@ -1905,7 +1905,7 @@
           <p:cNvPr id="2" name="标题 1">
             <a:extLst>
               <a:ext uri="{FF2B5EF4-FFF2-40B4-BE49-F238E27FC236}">
-                <a16:creationId xmlns:a16="http://schemas.microsoft.com/office/drawing/2014/main" id="{E8B059D3-FBB8-8895-FC32-673BB115032D}"/>
+                <a16:creationId xmlns:a16="http://schemas.microsoft.com/office/drawing/2014/main" id="{71F583EC-B745-5EC8-F6DF-E084F3B3233A}"/>
               </a:ext>
             </a:extLst>
           </p:cNvPr>
@@ -1933,7 +1933,7 @@
           <p:cNvPr id="3" name="日期占位符 2">
             <a:extLst>
               <a:ext uri="{FF2B5EF4-FFF2-40B4-BE49-F238E27FC236}">
-                <a16:creationId xmlns:a16="http://schemas.microsoft.com/office/drawing/2014/main" id="{96966485-6173-02D4-8201-72B08470F231}"/>
+                <a16:creationId xmlns:a16="http://schemas.microsoft.com/office/drawing/2014/main" id="{547DAAD9-6F74-8933-BB00-E98EF7DCE776}"/>
               </a:ext>
             </a:extLst>
           </p:cNvPr>
@@ -1949,7 +1949,7 @@
           <a:bodyPr/>
           <a:lstStyle/>
           <a:p>
-            <a:fld id="{E087D6A3-9F1D-4450-83E6-D3C27D19BE5D}" type="datetimeFigureOut">
+            <a:fld id="{441DD2C6-2785-4163-8CAD-7C4D185FE603}" type="datetimeFigureOut">
               <a:rPr lang="zh-CN" altLang="en-US" smtClean="0"/>
               <a:t>2024/3/10</a:t>
             </a:fld>
@@ -1962,7 +1962,7 @@
           <p:cNvPr id="4" name="页脚占位符 3">
             <a:extLst>
               <a:ext uri="{FF2B5EF4-FFF2-40B4-BE49-F238E27FC236}">
-                <a16:creationId xmlns:a16="http://schemas.microsoft.com/office/drawing/2014/main" id="{14F7F4FA-640C-88D4-449C-3723D92A0F36}"/>
+                <a16:creationId xmlns:a16="http://schemas.microsoft.com/office/drawing/2014/main" id="{98E25E5E-2629-2F2C-6B29-6CDA8A4AB3E4}"/>
               </a:ext>
             </a:extLst>
           </p:cNvPr>
@@ -1987,7 +1987,7 @@
           <p:cNvPr id="5" name="灯片编号占位符 4">
             <a:extLst>
               <a:ext uri="{FF2B5EF4-FFF2-40B4-BE49-F238E27FC236}">
-                <a16:creationId xmlns:a16="http://schemas.microsoft.com/office/drawing/2014/main" id="{C02614CC-4741-8077-C254-60B3B2499013}"/>
+                <a16:creationId xmlns:a16="http://schemas.microsoft.com/office/drawing/2014/main" id="{68C18119-3512-0F4A-92CF-E35B0060727A}"/>
               </a:ext>
             </a:extLst>
           </p:cNvPr>
@@ -2003,7 +2003,7 @@
           <a:bodyPr/>
           <a:lstStyle/>
           <a:p>
-            <a:fld id="{BC9E3616-C7FF-4B2D-8E79-561AFF147C0E}" type="slidenum">
+            <a:fld id="{52D1DB11-ED9F-4B32-A34B-6292058B8368}" type="slidenum">
               <a:rPr lang="zh-CN" altLang="en-US" smtClean="0"/>
               <a:t>‹#›</a:t>
             </a:fld>
@@ -2014,7 +2014,7 @@
     </p:spTree>
     <p:extLst>
       <p:ext uri="{BB962C8B-B14F-4D97-AF65-F5344CB8AC3E}">
-        <p14:creationId xmlns:p14="http://schemas.microsoft.com/office/powerpoint/2010/main" val="3460635560"/>
+        <p14:creationId xmlns:p14="http://schemas.microsoft.com/office/powerpoint/2010/main" val="436440403"/>
       </p:ext>
     </p:extLst>
   </p:cSld>
@@ -2046,7 +2046,7 @@
           <p:cNvPr id="2" name="日期占位符 1">
             <a:extLst>
               <a:ext uri="{FF2B5EF4-FFF2-40B4-BE49-F238E27FC236}">
-                <a16:creationId xmlns:a16="http://schemas.microsoft.com/office/drawing/2014/main" id="{0265F964-5A6D-BA13-B846-0CC927FCF25B}"/>
+                <a16:creationId xmlns:a16="http://schemas.microsoft.com/office/drawing/2014/main" id="{73035A21-2F8D-0BB8-C922-2004C930BB44}"/>
               </a:ext>
             </a:extLst>
           </p:cNvPr>
@@ -2062,7 +2062,7 @@
           <a:bodyPr/>
           <a:lstStyle/>
           <a:p>
-            <a:fld id="{E087D6A3-9F1D-4450-83E6-D3C27D19BE5D}" type="datetimeFigureOut">
+            <a:fld id="{441DD2C6-2785-4163-8CAD-7C4D185FE603}" type="datetimeFigureOut">
               <a:rPr lang="zh-CN" altLang="en-US" smtClean="0"/>
               <a:t>2024/3/10</a:t>
             </a:fld>
@@ -2075,7 +2075,7 @@
           <p:cNvPr id="3" name="页脚占位符 2">
             <a:extLst>
               <a:ext uri="{FF2B5EF4-FFF2-40B4-BE49-F238E27FC236}">
-                <a16:creationId xmlns:a16="http://schemas.microsoft.com/office/drawing/2014/main" id="{9A5120E9-79B1-B266-4088-5E11535CEDD6}"/>
+                <a16:creationId xmlns:a16="http://schemas.microsoft.com/office/drawing/2014/main" id="{DD306E7E-84F3-6454-50F7-6CA569828A48}"/>
               </a:ext>
             </a:extLst>
           </p:cNvPr>
@@ -2100,7 +2100,7 @@
           <p:cNvPr id="4" name="灯片编号占位符 3">
             <a:extLst>
               <a:ext uri="{FF2B5EF4-FFF2-40B4-BE49-F238E27FC236}">
-                <a16:creationId xmlns:a16="http://schemas.microsoft.com/office/drawing/2014/main" id="{73B8D3F5-8F6A-2B50-941A-AEE8AA7D7A25}"/>
+                <a16:creationId xmlns:a16="http://schemas.microsoft.com/office/drawing/2014/main" id="{2DF64D8E-BBAE-DC19-DEF0-C471DC6816C3}"/>
               </a:ext>
             </a:extLst>
           </p:cNvPr>
@@ -2116,7 +2116,7 @@
           <a:bodyPr/>
           <a:lstStyle/>
           <a:p>
-            <a:fld id="{BC9E3616-C7FF-4B2D-8E79-561AFF147C0E}" type="slidenum">
+            <a:fld id="{52D1DB11-ED9F-4B32-A34B-6292058B8368}" type="slidenum">
               <a:rPr lang="zh-CN" altLang="en-US" smtClean="0"/>
               <a:t>‹#›</a:t>
             </a:fld>
@@ -2127,7 +2127,7 @@
     </p:spTree>
     <p:extLst>
       <p:ext uri="{BB962C8B-B14F-4D97-AF65-F5344CB8AC3E}">
-        <p14:creationId xmlns:p14="http://schemas.microsoft.com/office/powerpoint/2010/main" val="2073689216"/>
+        <p14:creationId xmlns:p14="http://schemas.microsoft.com/office/powerpoint/2010/main" val="4263234785"/>
       </p:ext>
     </p:extLst>
   </p:cSld>
@@ -2159,7 +2159,7 @@
           <p:cNvPr id="2" name="标题 1">
             <a:extLst>
               <a:ext uri="{FF2B5EF4-FFF2-40B4-BE49-F238E27FC236}">
-                <a16:creationId xmlns:a16="http://schemas.microsoft.com/office/drawing/2014/main" id="{4206812D-A98E-59CB-B2A6-5F9B5A6428D4}"/>
+                <a16:creationId xmlns:a16="http://schemas.microsoft.com/office/drawing/2014/main" id="{17C15162-CF1F-82AB-DDD7-2717CDEF5FB0}"/>
               </a:ext>
             </a:extLst>
           </p:cNvPr>
@@ -2196,7 +2196,7 @@
           <p:cNvPr id="3" name="内容占位符 2">
             <a:extLst>
               <a:ext uri="{FF2B5EF4-FFF2-40B4-BE49-F238E27FC236}">
-                <a16:creationId xmlns:a16="http://schemas.microsoft.com/office/drawing/2014/main" id="{018D844F-F9B9-8540-14AE-F728D0A23862}"/>
+                <a16:creationId xmlns:a16="http://schemas.microsoft.com/office/drawing/2014/main" id="{C2092AF3-0F54-CD9A-F490-6BC4C565AFA5}"/>
               </a:ext>
             </a:extLst>
           </p:cNvPr>
@@ -2286,7 +2286,7 @@
           <p:cNvPr id="4" name="文本占位符 3">
             <a:extLst>
               <a:ext uri="{FF2B5EF4-FFF2-40B4-BE49-F238E27FC236}">
-                <a16:creationId xmlns:a16="http://schemas.microsoft.com/office/drawing/2014/main" id="{0CD26F65-8ADA-FFC2-9B89-C9850A309277}"/>
+                <a16:creationId xmlns:a16="http://schemas.microsoft.com/office/drawing/2014/main" id="{83FE277A-98F0-738E-5CA6-703DAFBA24AA}"/>
               </a:ext>
             </a:extLst>
           </p:cNvPr>
@@ -2357,7 +2357,7 @@
           <p:cNvPr id="5" name="日期占位符 4">
             <a:extLst>
               <a:ext uri="{FF2B5EF4-FFF2-40B4-BE49-F238E27FC236}">
-                <a16:creationId xmlns:a16="http://schemas.microsoft.com/office/drawing/2014/main" id="{DD6231C8-ABBF-3B51-2A8F-63DC38B2DA8B}"/>
+                <a16:creationId xmlns:a16="http://schemas.microsoft.com/office/drawing/2014/main" id="{3B3BEB9B-29AB-C0B0-19B2-048BB8918CD2}"/>
               </a:ext>
             </a:extLst>
           </p:cNvPr>
@@ -2373,7 +2373,7 @@
           <a:bodyPr/>
           <a:lstStyle/>
           <a:p>
-            <a:fld id="{E087D6A3-9F1D-4450-83E6-D3C27D19BE5D}" type="datetimeFigureOut">
+            <a:fld id="{441DD2C6-2785-4163-8CAD-7C4D185FE603}" type="datetimeFigureOut">
               <a:rPr lang="zh-CN" altLang="en-US" smtClean="0"/>
               <a:t>2024/3/10</a:t>
             </a:fld>
@@ -2386,7 +2386,7 @@
           <p:cNvPr id="6" name="页脚占位符 5">
             <a:extLst>
               <a:ext uri="{FF2B5EF4-FFF2-40B4-BE49-F238E27FC236}">
-                <a16:creationId xmlns:a16="http://schemas.microsoft.com/office/drawing/2014/main" id="{27A5848E-5AC4-C258-2529-159AA3A914C6}"/>
+                <a16:creationId xmlns:a16="http://schemas.microsoft.com/office/drawing/2014/main" id="{D83D18A5-F89D-543D-152D-B43D2AC60B86}"/>
               </a:ext>
             </a:extLst>
           </p:cNvPr>
@@ -2411,7 +2411,7 @@
           <p:cNvPr id="7" name="灯片编号占位符 6">
             <a:extLst>
               <a:ext uri="{FF2B5EF4-FFF2-40B4-BE49-F238E27FC236}">
-                <a16:creationId xmlns:a16="http://schemas.microsoft.com/office/drawing/2014/main" id="{86016E5D-3A06-EE88-D1AB-9D6810AD0897}"/>
+                <a16:creationId xmlns:a16="http://schemas.microsoft.com/office/drawing/2014/main" id="{A834C13F-99E3-068E-C129-1E844338A75D}"/>
               </a:ext>
             </a:extLst>
           </p:cNvPr>
@@ -2427,7 +2427,7 @@
           <a:bodyPr/>
           <a:lstStyle/>
           <a:p>
-            <a:fld id="{BC9E3616-C7FF-4B2D-8E79-561AFF147C0E}" type="slidenum">
+            <a:fld id="{52D1DB11-ED9F-4B32-A34B-6292058B8368}" type="slidenum">
               <a:rPr lang="zh-CN" altLang="en-US" smtClean="0"/>
               <a:t>‹#›</a:t>
             </a:fld>
@@ -2438,7 +2438,7 @@
     </p:spTree>
     <p:extLst>
       <p:ext uri="{BB962C8B-B14F-4D97-AF65-F5344CB8AC3E}">
-        <p14:creationId xmlns:p14="http://schemas.microsoft.com/office/powerpoint/2010/main" val="2008827981"/>
+        <p14:creationId xmlns:p14="http://schemas.microsoft.com/office/powerpoint/2010/main" val="3370174513"/>
       </p:ext>
     </p:extLst>
   </p:cSld>
@@ -2470,7 +2470,7 @@
           <p:cNvPr id="2" name="标题 1">
             <a:extLst>
               <a:ext uri="{FF2B5EF4-FFF2-40B4-BE49-F238E27FC236}">
-                <a16:creationId xmlns:a16="http://schemas.microsoft.com/office/drawing/2014/main" id="{5A3C17FF-4526-2F5D-2AB4-F44F0B22C97C}"/>
+                <a16:creationId xmlns:a16="http://schemas.microsoft.com/office/drawing/2014/main" id="{A0CE95C6-6390-2828-E829-6C96D1BC0A96}"/>
               </a:ext>
             </a:extLst>
           </p:cNvPr>
@@ -2507,7 +2507,7 @@
           <p:cNvPr id="3" name="图片占位符 2">
             <a:extLst>
               <a:ext uri="{FF2B5EF4-FFF2-40B4-BE49-F238E27FC236}">
-                <a16:creationId xmlns:a16="http://schemas.microsoft.com/office/drawing/2014/main" id="{BAA5CDBB-DC70-FBB6-83A1-4EBB5E7FCD78}"/>
+                <a16:creationId xmlns:a16="http://schemas.microsoft.com/office/drawing/2014/main" id="{3E854ED2-6248-F97A-941F-5818D660F170}"/>
               </a:ext>
             </a:extLst>
           </p:cNvPr>
@@ -2574,7 +2574,7 @@
           <p:cNvPr id="4" name="文本占位符 3">
             <a:extLst>
               <a:ext uri="{FF2B5EF4-FFF2-40B4-BE49-F238E27FC236}">
-                <a16:creationId xmlns:a16="http://schemas.microsoft.com/office/drawing/2014/main" id="{E8303B8C-C13C-1C5B-2042-7D542B3E208F}"/>
+                <a16:creationId xmlns:a16="http://schemas.microsoft.com/office/drawing/2014/main" id="{047E3C3C-80CF-0F77-87E4-939777A65D3B}"/>
               </a:ext>
             </a:extLst>
           </p:cNvPr>
@@ -2645,7 +2645,7 @@
           <p:cNvPr id="5" name="日期占位符 4">
             <a:extLst>
               <a:ext uri="{FF2B5EF4-FFF2-40B4-BE49-F238E27FC236}">
-                <a16:creationId xmlns:a16="http://schemas.microsoft.com/office/drawing/2014/main" id="{27614302-5AEE-2878-B98C-7F4266B4C1C0}"/>
+                <a16:creationId xmlns:a16="http://schemas.microsoft.com/office/drawing/2014/main" id="{C5958377-B5D9-1447-1988-FCB77B5B1BCE}"/>
               </a:ext>
             </a:extLst>
           </p:cNvPr>
@@ -2661,7 +2661,7 @@
           <a:bodyPr/>
           <a:lstStyle/>
           <a:p>
-            <a:fld id="{E087D6A3-9F1D-4450-83E6-D3C27D19BE5D}" type="datetimeFigureOut">
+            <a:fld id="{441DD2C6-2785-4163-8CAD-7C4D185FE603}" type="datetimeFigureOut">
               <a:rPr lang="zh-CN" altLang="en-US" smtClean="0"/>
               <a:t>2024/3/10</a:t>
             </a:fld>
@@ -2674,7 +2674,7 @@
           <p:cNvPr id="6" name="页脚占位符 5">
             <a:extLst>
               <a:ext uri="{FF2B5EF4-FFF2-40B4-BE49-F238E27FC236}">
-                <a16:creationId xmlns:a16="http://schemas.microsoft.com/office/drawing/2014/main" id="{7B6023AB-9274-6CE6-8706-EE96BF6E24B8}"/>
+                <a16:creationId xmlns:a16="http://schemas.microsoft.com/office/drawing/2014/main" id="{559904AC-B075-DB77-E985-49531A8ACD01}"/>
               </a:ext>
             </a:extLst>
           </p:cNvPr>
@@ -2699,7 +2699,7 @@
           <p:cNvPr id="7" name="灯片编号占位符 6">
             <a:extLst>
               <a:ext uri="{FF2B5EF4-FFF2-40B4-BE49-F238E27FC236}">
-                <a16:creationId xmlns:a16="http://schemas.microsoft.com/office/drawing/2014/main" id="{6A03319F-4481-F1F4-EF22-B661F78757F2}"/>
+                <a16:creationId xmlns:a16="http://schemas.microsoft.com/office/drawing/2014/main" id="{9634829F-BD5B-87BA-DCA4-71600A865529}"/>
               </a:ext>
             </a:extLst>
           </p:cNvPr>
@@ -2715,7 +2715,7 @@
           <a:bodyPr/>
           <a:lstStyle/>
           <a:p>
-            <a:fld id="{BC9E3616-C7FF-4B2D-8E79-561AFF147C0E}" type="slidenum">
+            <a:fld id="{52D1DB11-ED9F-4B32-A34B-6292058B8368}" type="slidenum">
               <a:rPr lang="zh-CN" altLang="en-US" smtClean="0"/>
               <a:t>‹#›</a:t>
             </a:fld>
@@ -2726,7 +2726,7 @@
     </p:spTree>
     <p:extLst>
       <p:ext uri="{BB962C8B-B14F-4D97-AF65-F5344CB8AC3E}">
-        <p14:creationId xmlns:p14="http://schemas.microsoft.com/office/powerpoint/2010/main" val="2352796014"/>
+        <p14:creationId xmlns:p14="http://schemas.microsoft.com/office/powerpoint/2010/main" val="3857454365"/>
       </p:ext>
     </p:extLst>
   </p:cSld>
@@ -2763,7 +2763,7 @@
           <p:cNvPr id="2" name="标题占位符 1">
             <a:extLst>
               <a:ext uri="{FF2B5EF4-FFF2-40B4-BE49-F238E27FC236}">
-                <a16:creationId xmlns:a16="http://schemas.microsoft.com/office/drawing/2014/main" id="{7EDB9D28-A3DD-452F-B8FA-A638493A61EC}"/>
+                <a16:creationId xmlns:a16="http://schemas.microsoft.com/office/drawing/2014/main" id="{5117189A-F036-A995-29B6-D48DCF306056}"/>
               </a:ext>
             </a:extLst>
           </p:cNvPr>
@@ -2801,7 +2801,7 @@
           <p:cNvPr id="3" name="文本占位符 2">
             <a:extLst>
               <a:ext uri="{FF2B5EF4-FFF2-40B4-BE49-F238E27FC236}">
-                <a16:creationId xmlns:a16="http://schemas.microsoft.com/office/drawing/2014/main" id="{0A52A7C5-24FC-1882-615B-2BB3D04B0D79}"/>
+                <a16:creationId xmlns:a16="http://schemas.microsoft.com/office/drawing/2014/main" id="{0C678C63-78FE-6590-C478-C4DDA3746F7E}"/>
               </a:ext>
             </a:extLst>
           </p:cNvPr>
@@ -2868,7 +2868,7 @@
           <p:cNvPr id="4" name="日期占位符 3">
             <a:extLst>
               <a:ext uri="{FF2B5EF4-FFF2-40B4-BE49-F238E27FC236}">
-                <a16:creationId xmlns:a16="http://schemas.microsoft.com/office/drawing/2014/main" id="{EA3BF38A-D5F4-0030-D972-0DE1A54C8174}"/>
+                <a16:creationId xmlns:a16="http://schemas.microsoft.com/office/drawing/2014/main" id="{AE9615B8-B962-BF09-399F-3A4C72450B2E}"/>
               </a:ext>
             </a:extLst>
           </p:cNvPr>
@@ -2902,7 +2902,7 @@
             </a:lvl1pPr>
           </a:lstStyle>
           <a:p>
-            <a:fld id="{E087D6A3-9F1D-4450-83E6-D3C27D19BE5D}" type="datetimeFigureOut">
+            <a:fld id="{441DD2C6-2785-4163-8CAD-7C4D185FE603}" type="datetimeFigureOut">
               <a:rPr lang="zh-CN" altLang="en-US" smtClean="0"/>
               <a:t>2024/3/10</a:t>
             </a:fld>
@@ -2915,7 +2915,7 @@
           <p:cNvPr id="5" name="页脚占位符 4">
             <a:extLst>
               <a:ext uri="{FF2B5EF4-FFF2-40B4-BE49-F238E27FC236}">
-                <a16:creationId xmlns:a16="http://schemas.microsoft.com/office/drawing/2014/main" id="{B2223C99-A814-E76F-7776-6AE5CF286E5E}"/>
+                <a16:creationId xmlns:a16="http://schemas.microsoft.com/office/drawing/2014/main" id="{318EFBBA-4C62-6D8D-DC96-6053EA2D8AFD}"/>
               </a:ext>
             </a:extLst>
           </p:cNvPr>
@@ -2958,7 +2958,7 @@
           <p:cNvPr id="6" name="灯片编号占位符 5">
             <a:extLst>
               <a:ext uri="{FF2B5EF4-FFF2-40B4-BE49-F238E27FC236}">
-                <a16:creationId xmlns:a16="http://schemas.microsoft.com/office/drawing/2014/main" id="{4684175D-9451-2349-2F79-92901A296D70}"/>
+                <a16:creationId xmlns:a16="http://schemas.microsoft.com/office/drawing/2014/main" id="{C56929E9-B6AD-0F8D-2DC5-F44A4B1DAB85}"/>
               </a:ext>
             </a:extLst>
           </p:cNvPr>
@@ -2992,7 +2992,7 @@
             </a:lvl1pPr>
           </a:lstStyle>
           <a:p>
-            <a:fld id="{BC9E3616-C7FF-4B2D-8E79-561AFF147C0E}" type="slidenum">
+            <a:fld id="{52D1DB11-ED9F-4B32-A34B-6292058B8368}" type="slidenum">
               <a:rPr lang="zh-CN" altLang="en-US" smtClean="0"/>
               <a:t>‹#›</a:t>
             </a:fld>
@@ -3003,7 +3003,7 @@
     </p:spTree>
     <p:extLst>
       <p:ext uri="{BB962C8B-B14F-4D97-AF65-F5344CB8AC3E}">
-        <p14:creationId xmlns:p14="http://schemas.microsoft.com/office/powerpoint/2010/main" val="3426550034"/>
+        <p14:creationId xmlns:p14="http://schemas.microsoft.com/office/powerpoint/2010/main" val="1972215879"/>
       </p:ext>
     </p:extLst>
   </p:cSld>
